--- a/docs/Waukesha Week 4.pptx
+++ b/docs/Waukesha Week 4.pptx
@@ -15,8 +15,8 @@
     <p:sldId id="266" r:id="rId6"/>
     <p:sldId id="260" r:id="rId7"/>
     <p:sldId id="265" r:id="rId8"/>
-    <p:sldId id="268" r:id="rId9"/>
-    <p:sldId id="269" r:id="rId10"/>
+    <p:sldId id="269" r:id="rId9"/>
+    <p:sldId id="270" r:id="rId10"/>
     <p:sldId id="261" r:id="rId11"/>
     <p:sldId id="262" r:id="rId12"/>
   </p:sldIdLst>
@@ -207,7 +207,7 @@
           <a:p>
             <a:fld id="{C728C53A-7C57-8F45-972A-66434054A8D6}" type="datetimeFigureOut">
               <a:rPr lang="en-US" smtClean="0"/>
-              <a:t>1/29/25</a:t>
+              <a:t>2/5/25</a:t>
             </a:fld>
             <a:endParaRPr lang="en-US"/>
           </a:p>
@@ -794,90 +794,6 @@
           <a:p>
             <a:fld id="{92CA00E9-EBA0-C147-8193-067C017D591F}" type="slidenum">
               <a:rPr lang="en-US" smtClean="0"/>
-              <a:t>8</a:t>
-            </a:fld>
-            <a:endParaRPr lang="en-US"/>
-          </a:p>
-        </p:txBody>
-      </p:sp>
-    </p:spTree>
-    <p:extLst>
-      <p:ext uri="{BB962C8B-B14F-4D97-AF65-F5344CB8AC3E}">
-        <p14:creationId xmlns:p14="http://schemas.microsoft.com/office/powerpoint/2010/main" val="2992479202"/>
-      </p:ext>
-    </p:extLst>
-  </p:cSld>
-  <p:clrMapOvr>
-    <a:masterClrMapping/>
-  </p:clrMapOvr>
-</p:notes>
-</file>
-
-<file path=ppt/notesSlides/notesSlide5.xml><?xml version="1.0" encoding="utf-8"?>
-<p:notes xmlns:a="http://schemas.openxmlformats.org/drawingml/2006/main" xmlns:r="http://schemas.openxmlformats.org/officeDocument/2006/relationships" xmlns:p="http://schemas.openxmlformats.org/presentationml/2006/main">
-  <p:cSld>
-    <p:spTree>
-      <p:nvGrpSpPr>
-        <p:cNvPr id="1" name=""/>
-        <p:cNvGrpSpPr/>
-        <p:nvPr/>
-      </p:nvGrpSpPr>
-      <p:grpSpPr>
-        <a:xfrm>
-          <a:off x="0" y="0"/>
-          <a:ext cx="0" cy="0"/>
-          <a:chOff x="0" y="0"/>
-          <a:chExt cx="0" cy="0"/>
-        </a:xfrm>
-      </p:grpSpPr>
-      <p:sp>
-        <p:nvSpPr>
-          <p:cNvPr id="2" name="Slide Image Placeholder 1"/>
-          <p:cNvSpPr>
-            <a:spLocks noGrp="1" noRot="1" noChangeAspect="1"/>
-          </p:cNvSpPr>
-          <p:nvPr>
-            <p:ph type="sldImg"/>
-          </p:nvPr>
-        </p:nvSpPr>
-        <p:spPr/>
-      </p:sp>
-      <p:sp>
-        <p:nvSpPr>
-          <p:cNvPr id="3" name="Notes Placeholder 2"/>
-          <p:cNvSpPr>
-            <a:spLocks noGrp="1"/>
-          </p:cNvSpPr>
-          <p:nvPr>
-            <p:ph type="body" idx="1"/>
-          </p:nvPr>
-        </p:nvSpPr>
-        <p:spPr/>
-        <p:txBody>
-          <a:bodyPr/>
-          <a:lstStyle/>
-          <a:p>
-            <a:endParaRPr lang="en-US" dirty="0"/>
-          </a:p>
-        </p:txBody>
-      </p:sp>
-      <p:sp>
-        <p:nvSpPr>
-          <p:cNvPr id="4" name="Slide Number Placeholder 3"/>
-          <p:cNvSpPr>
-            <a:spLocks noGrp="1"/>
-          </p:cNvSpPr>
-          <p:nvPr>
-            <p:ph type="sldNum" sz="quarter" idx="5"/>
-          </p:nvPr>
-        </p:nvSpPr>
-        <p:spPr/>
-        <p:txBody>
-          <a:bodyPr/>
-          <a:lstStyle/>
-          <a:p>
-            <a:fld id="{92CA00E9-EBA0-C147-8193-067C017D591F}" type="slidenum">
-              <a:rPr lang="en-US" smtClean="0"/>
               <a:t>10</a:t>
             </a:fld>
             <a:endParaRPr lang="en-US"/>
@@ -1067,7 +983,7 @@
           <a:p>
             <a:fld id="{48A87A34-81AB-432B-8DAE-1953F412C126}" type="datetimeFigureOut">
               <a:rPr lang="en-US" dirty="0"/>
-              <a:t>1/29/25</a:t>
+              <a:t>2/5/25</a:t>
             </a:fld>
             <a:endParaRPr lang="en-US" dirty="0"/>
           </a:p>
@@ -1329,7 +1245,7 @@
           <a:p>
             <a:fld id="{48A87A34-81AB-432B-8DAE-1953F412C126}" type="datetimeFigureOut">
               <a:rPr lang="en-US" dirty="0"/>
-              <a:t>1/29/25</a:t>
+              <a:t>2/5/25</a:t>
             </a:fld>
             <a:endParaRPr lang="en-US" dirty="0"/>
           </a:p>
@@ -1556,7 +1472,7 @@
             <a:fld id="{48A87A34-81AB-432B-8DAE-1953F412C126}" type="datetimeFigureOut">
               <a:rPr lang="en-US" dirty="0"/>
               <a:pPr/>
-              <a:t>1/29/25</a:t>
+              <a:t>2/5/25</a:t>
             </a:fld>
             <a:endParaRPr lang="en-US" dirty="0"/>
           </a:p>
@@ -1862,7 +1778,7 @@
             <a:fld id="{48A87A34-81AB-432B-8DAE-1953F412C126}" type="datetimeFigureOut">
               <a:rPr lang="en-US" dirty="0"/>
               <a:pPr/>
-              <a:t>1/29/25</a:t>
+              <a:t>2/5/25</a:t>
             </a:fld>
             <a:endParaRPr lang="en-US" dirty="0"/>
           </a:p>
@@ -2331,7 +2247,7 @@
             <a:fld id="{48A87A34-81AB-432B-8DAE-1953F412C126}" type="datetimeFigureOut">
               <a:rPr lang="en-US" dirty="0"/>
               <a:pPr/>
-              <a:t>1/29/25</a:t>
+              <a:t>2/5/25</a:t>
             </a:fld>
             <a:endParaRPr lang="en-US" dirty="0"/>
           </a:p>
@@ -2873,7 +2789,7 @@
           <a:p>
             <a:fld id="{48A87A34-81AB-432B-8DAE-1953F412C126}" type="datetimeFigureOut">
               <a:rPr lang="en-US" dirty="0"/>
-              <a:t>1/29/25</a:t>
+              <a:t>2/5/25</a:t>
             </a:fld>
             <a:endParaRPr lang="en-US" dirty="0"/>
           </a:p>
@@ -3642,7 +3558,7 @@
           <a:p>
             <a:fld id="{48A87A34-81AB-432B-8DAE-1953F412C126}" type="datetimeFigureOut">
               <a:rPr lang="en-US" dirty="0"/>
-              <a:t>1/29/25</a:t>
+              <a:t>2/5/25</a:t>
             </a:fld>
             <a:endParaRPr lang="en-US" dirty="0"/>
           </a:p>
@@ -3812,7 +3728,7 @@
           <a:p>
             <a:fld id="{48A87A34-81AB-432B-8DAE-1953F412C126}" type="datetimeFigureOut">
               <a:rPr lang="en-US" dirty="0"/>
-              <a:t>1/29/25</a:t>
+              <a:t>2/5/25</a:t>
             </a:fld>
             <a:endParaRPr lang="en-US" dirty="0"/>
           </a:p>
@@ -4031,7 +3947,7 @@
             <a:fld id="{48A87A34-81AB-432B-8DAE-1953F412C126}" type="datetimeFigureOut">
               <a:rPr lang="en-US" dirty="0"/>
               <a:pPr/>
-              <a:t>1/29/25</a:t>
+              <a:t>2/5/25</a:t>
             </a:fld>
             <a:endParaRPr lang="en-US" dirty="0"/>
           </a:p>
@@ -4206,7 +4122,7 @@
           <a:p>
             <a:fld id="{48A87A34-81AB-432B-8DAE-1953F412C126}" type="datetimeFigureOut">
               <a:rPr lang="en-US" dirty="0"/>
-              <a:t>1/29/25</a:t>
+              <a:t>2/5/25</a:t>
             </a:fld>
             <a:endParaRPr lang="en-US" dirty="0"/>
           </a:p>
@@ -4491,7 +4407,7 @@
             <a:fld id="{48A87A34-81AB-432B-8DAE-1953F412C126}" type="datetimeFigureOut">
               <a:rPr lang="en-US" dirty="0"/>
               <a:pPr/>
-              <a:t>1/29/25</a:t>
+              <a:t>2/5/25</a:t>
             </a:fld>
             <a:endParaRPr lang="en-US" dirty="0"/>
           </a:p>
@@ -4728,7 +4644,7 @@
           <a:p>
             <a:fld id="{48A87A34-81AB-432B-8DAE-1953F412C126}" type="datetimeFigureOut">
               <a:rPr lang="en-US" dirty="0"/>
-              <a:t>1/29/25</a:t>
+              <a:t>2/5/25</a:t>
             </a:fld>
             <a:endParaRPr lang="en-US" dirty="0"/>
           </a:p>
@@ -5102,7 +5018,7 @@
           <a:p>
             <a:fld id="{48A87A34-81AB-432B-8DAE-1953F412C126}" type="datetimeFigureOut">
               <a:rPr lang="en-US" dirty="0"/>
-              <a:t>1/29/25</a:t>
+              <a:t>2/5/25</a:t>
             </a:fld>
             <a:endParaRPr lang="en-US" dirty="0"/>
           </a:p>
@@ -5215,7 +5131,7 @@
           <a:p>
             <a:fld id="{48A87A34-81AB-432B-8DAE-1953F412C126}" type="datetimeFigureOut">
               <a:rPr lang="en-US" dirty="0"/>
-              <a:t>1/29/25</a:t>
+              <a:t>2/5/25</a:t>
             </a:fld>
             <a:endParaRPr lang="en-US" dirty="0"/>
           </a:p>
@@ -5305,7 +5221,7 @@
           <a:p>
             <a:fld id="{48A87A34-81AB-432B-8DAE-1953F412C126}" type="datetimeFigureOut">
               <a:rPr lang="en-US" dirty="0"/>
-              <a:t>1/29/25</a:t>
+              <a:t>2/5/25</a:t>
             </a:fld>
             <a:endParaRPr lang="en-US" dirty="0"/>
           </a:p>
@@ -5549,7 +5465,7 @@
           <a:p>
             <a:fld id="{48A87A34-81AB-432B-8DAE-1953F412C126}" type="datetimeFigureOut">
               <a:rPr lang="en-US" dirty="0"/>
-              <a:t>1/29/25</a:t>
+              <a:t>2/5/25</a:t>
             </a:fld>
             <a:endParaRPr lang="en-US" dirty="0"/>
           </a:p>
@@ -5801,7 +5717,7 @@
           <a:p>
             <a:fld id="{48A87A34-81AB-432B-8DAE-1953F412C126}" type="datetimeFigureOut">
               <a:rPr lang="en-US" dirty="0"/>
-              <a:t>1/29/25</a:t>
+              <a:t>2/5/25</a:t>
             </a:fld>
             <a:endParaRPr lang="en-US" dirty="0"/>
           </a:p>
@@ -6040,7 +5956,7 @@
             <a:fld id="{48A87A34-81AB-432B-8DAE-1953F412C126}" type="datetimeFigureOut">
               <a:rPr lang="en-US" dirty="0"/>
               <a:pPr/>
-              <a:t>1/29/25</a:t>
+              <a:t>2/5/25</a:t>
             </a:fld>
             <a:endParaRPr lang="en-US" dirty="0"/>
           </a:p>
@@ -6465,7 +6381,7 @@
             <a:pPr algn="ctr"/>
             <a:r>
               <a:rPr lang="en-US" dirty="0"/>
-              <a:t>BB Scheduler Update Week 3</a:t>
+              <a:t>BB Scheduler Update Week 4</a:t>
             </a:r>
           </a:p>
         </p:txBody>
@@ -6557,7 +6473,7 @@
         <p:spPr/>
         <p:txBody>
           <a:bodyPr>
-            <a:normAutofit fontScale="92500" lnSpcReduction="10000"/>
+            <a:normAutofit fontScale="70000" lnSpcReduction="20000"/>
           </a:bodyPr>
           <a:lstStyle/>
           <a:p>
@@ -6569,7 +6485,7 @@
           <a:p>
             <a:r>
               <a:rPr lang="en-US" dirty="0"/>
-              <a:t>Get Infinite Campus DB</a:t>
+              <a:t>BB Scheduler</a:t>
             </a:r>
           </a:p>
           <a:p>
@@ -6580,7 +6496,7 @@
                   <a:srgbClr val="FFFF00"/>
                 </a:solidFill>
               </a:rPr>
-              <a:t>Working on Tracking in IC Database</a:t>
+              <a:t>Add Modify Sections</a:t>
             </a:r>
           </a:p>
           <a:p>
@@ -6591,13 +6507,7 @@
                   <a:srgbClr val="FFFF00"/>
                 </a:solidFill>
               </a:rPr>
-              <a:t>New Master Templates Table </a:t>
-            </a:r>
-          </a:p>
-          <a:p>
-            <a:r>
-              <a:rPr lang="en-US" dirty="0"/>
-              <a:t>Get BB Integration</a:t>
+              <a:t>Add Teacher and Students</a:t>
             </a:r>
           </a:p>
           <a:p>
@@ -6608,7 +6518,7 @@
                   <a:srgbClr val="FFFF00"/>
                 </a:solidFill>
               </a:rPr>
-              <a:t>Create Course Creation Process</a:t>
+              <a:t>Discuss ”Manage Grades”</a:t>
             </a:r>
           </a:p>
           <a:p>
@@ -6619,7 +6529,35 @@
                   <a:srgbClr val="FFFF00"/>
                 </a:solidFill>
               </a:rPr>
-              <a:t>Need to Figure Out Master Course Configuration</a:t>
+              <a:t>Discuss “Admin” Role</a:t>
+            </a:r>
+          </a:p>
+          <a:p>
+            <a:r>
+              <a:rPr lang="en-US" dirty="0"/>
+              <a:t>BB Integration</a:t>
+            </a:r>
+          </a:p>
+          <a:p>
+            <a:pPr lvl="1"/>
+            <a:r>
+              <a:rPr lang="en-US" dirty="0">
+                <a:solidFill>
+                  <a:srgbClr val="FFFF00"/>
+                </a:solidFill>
+              </a:rPr>
+              <a:t>Add Enrollments to the Sync Process</a:t>
+            </a:r>
+          </a:p>
+          <a:p>
+            <a:pPr lvl="1"/>
+            <a:r>
+              <a:rPr lang="en-US" dirty="0">
+                <a:solidFill>
+                  <a:srgbClr val="FFFF00"/>
+                </a:solidFill>
+              </a:rPr>
+              <a:t>Complete User Sync Process</a:t>
             </a:r>
           </a:p>
           <a:p>
@@ -6642,18 +6580,36 @@
           <a:p>
             <a:r>
               <a:rPr lang="en-US" dirty="0"/>
-              <a:t>Start UI Implementation</a:t>
+              <a:t>Windows Servers</a:t>
             </a:r>
           </a:p>
           <a:p>
             <a:pPr lvl="1"/>
             <a:r>
+              <a:rPr lang="en-US" dirty="0"/>
+              <a:t>Test Login and Start Configuring</a:t>
+            </a:r>
+            <a:endParaRPr lang="en-US" dirty="0">
+              <a:solidFill>
+                <a:srgbClr val="FFFF00"/>
+              </a:solidFill>
+            </a:endParaRPr>
+          </a:p>
+          <a:p>
+            <a:r>
+              <a:rPr lang="en-US" dirty="0"/>
+              <a:t>Continue UI Implementation</a:t>
+            </a:r>
+          </a:p>
+          <a:p>
+            <a:pPr lvl="1"/>
+            <a:r>
               <a:rPr lang="en-US" dirty="0">
                 <a:solidFill>
                   <a:srgbClr val="FFFF00"/>
                 </a:solidFill>
               </a:rPr>
-              <a:t>Estimate 8 Weeks</a:t>
+              <a:t>Estimate 6 Weeks</a:t>
             </a:r>
           </a:p>
           <a:p>
@@ -7299,7 +7255,7 @@
             <a:r>
               <a:rPr lang="en-US" dirty="0">
                 <a:solidFill>
-                  <a:srgbClr val="FFFF00"/>
+                  <a:srgbClr val="00B050"/>
                 </a:solidFill>
               </a:rPr>
               <a:t>Need SQL Calls used in version 1</a:t>
@@ -7367,7 +7323,7 @@
             <a:r>
               <a:rPr lang="en-US" dirty="0" err="1">
                 <a:solidFill>
-                  <a:srgbClr val="FFFF00"/>
+                  <a:srgbClr val="00B050"/>
                 </a:solidFill>
               </a:rPr>
               <a:t>GetEnrollments</a:t>
@@ -7375,10 +7331,10 @@
             <a:r>
               <a:rPr lang="en-US" dirty="0">
                 <a:solidFill>
-                  <a:srgbClr val="FFFF00"/>
+                  <a:srgbClr val="00B050"/>
                 </a:solidFill>
               </a:rPr>
-              <a:t> – TESTING</a:t>
+              <a:t> – DONE</a:t>
             </a:r>
           </a:p>
           <a:p>
@@ -7386,7 +7342,7 @@
             <a:r>
               <a:rPr lang="en-US" dirty="0" err="1">
                 <a:solidFill>
-                  <a:srgbClr val="FFFF00"/>
+                  <a:srgbClr val="00B050"/>
                 </a:solidFill>
               </a:rPr>
               <a:t>GetMasterTemplates</a:t>
@@ -7394,10 +7350,10 @@
             <a:r>
               <a:rPr lang="en-US" dirty="0">
                 <a:solidFill>
-                  <a:srgbClr val="FFFF00"/>
+                  <a:srgbClr val="00B050"/>
                 </a:solidFill>
               </a:rPr>
-              <a:t> – TESTING</a:t>
+              <a:t> – DONE</a:t>
             </a:r>
           </a:p>
           <a:p>
@@ -7418,6 +7374,55 @@
               </a:rPr>
               <a:t>SDWBlackboardSchedulerBBCourses</a:t>
             </a:r>
+            <a:r>
+              <a:rPr lang="en-US" dirty="0">
+                <a:solidFill>
+                  <a:srgbClr val="FFFF00"/>
+                </a:solidFill>
+              </a:rPr>
+              <a:t> – Testing</a:t>
+            </a:r>
+          </a:p>
+          <a:p>
+            <a:pPr lvl="2"/>
+            <a:r>
+              <a:rPr lang="en-US" dirty="0">
+                <a:solidFill>
+                  <a:srgbClr val="FFFF00"/>
+                </a:solidFill>
+              </a:rPr>
+              <a:t>Insert/Update </a:t>
+            </a:r>
+            <a:r>
+              <a:rPr lang="en-US" dirty="0" err="1">
+                <a:solidFill>
+                  <a:srgbClr val="FFFF00"/>
+                </a:solidFill>
+              </a:rPr>
+              <a:t>SDWBlackboardSchedulerBBCourses</a:t>
+            </a:r>
+            <a:r>
+              <a:rPr lang="en-US" dirty="0">
+                <a:solidFill>
+                  <a:srgbClr val="FFFF00"/>
+                </a:solidFill>
+              </a:rPr>
+              <a:t> - Testing</a:t>
+            </a:r>
+          </a:p>
+          <a:p>
+            <a:pPr lvl="2"/>
+            <a:r>
+              <a:rPr lang="en-US" dirty="0">
+                <a:solidFill>
+                  <a:srgbClr val="FFFF00"/>
+                </a:solidFill>
+              </a:rPr>
+              <a:t>Need to get Teachers/Students</a:t>
+            </a:r>
+          </a:p>
+          <a:p>
+            <a:pPr lvl="2"/>
             <a:endParaRPr lang="en-US" dirty="0">
               <a:solidFill>
                 <a:srgbClr val="FFFF00"/>
@@ -7737,7 +7742,9 @@
           </a:xfrm>
         </p:spPr>
         <p:txBody>
-          <a:bodyPr/>
+          <a:bodyPr>
+            <a:normAutofit fontScale="92500" lnSpcReduction="20000"/>
+          </a:bodyPr>
           <a:lstStyle/>
           <a:p>
             <a:r>
@@ -7761,10 +7768,10 @@
             <a:r>
               <a:rPr lang="en-US" dirty="0">
                 <a:solidFill>
-                  <a:srgbClr val="FFFF00"/>
+                  <a:srgbClr val="00B050"/>
                 </a:solidFill>
               </a:rPr>
-              <a:t>Use of Sheets from Right</a:t>
+              <a:t>Course List Page - Tested</a:t>
             </a:r>
           </a:p>
           <a:p>
@@ -7772,7 +7779,7 @@
             <a:r>
               <a:rPr lang="en-US" dirty="0">
                 <a:solidFill>
-                  <a:srgbClr val="FFFF00"/>
+                  <a:srgbClr val="00B050"/>
                 </a:solidFill>
               </a:rPr>
               <a:t>Column Sort Added and Global Search</a:t>
@@ -7786,6 +7793,17 @@
                   <a:srgbClr val="FFFF00"/>
                 </a:solidFill>
               </a:rPr>
+              <a:t>Added Linked Column – Need to discuss layout and Custom Filter</a:t>
+            </a:r>
+          </a:p>
+          <a:p>
+            <a:pPr lvl="1"/>
+            <a:r>
+              <a:rPr lang="en-US" dirty="0">
+                <a:solidFill>
+                  <a:srgbClr val="FFFF00"/>
+                </a:solidFill>
+              </a:rPr>
               <a:t>Add Actions Button</a:t>
             </a:r>
           </a:p>
@@ -7808,18 +7826,7 @@
                   <a:srgbClr val="FFFF00"/>
                 </a:solidFill>
               </a:rPr>
-              <a:t>Add Teachers</a:t>
-            </a:r>
-          </a:p>
-          <a:p>
-            <a:pPr lvl="2"/>
-            <a:r>
-              <a:rPr lang="en-US" dirty="0">
-                <a:solidFill>
-                  <a:srgbClr val="FFFF00"/>
-                </a:solidFill>
-              </a:rPr>
-              <a:t>Add Students</a:t>
+              <a:t>Modify Sections</a:t>
             </a:r>
           </a:p>
           <a:p>
@@ -7845,21 +7852,86 @@
                   <a:srgbClr val="FFFF00"/>
                 </a:solidFill>
               </a:rPr>
-              <a:t>	Need Course ID Algorithm .. Based on new </a:t>
-            </a:r>
-            <a:r>
-              <a:rPr lang="en-US" dirty="0" err="1">
+              <a:t>	Templates Added – Need Filter</a:t>
+            </a:r>
+          </a:p>
+          <a:p>
+            <a:pPr marL="457200" lvl="1" indent="0">
+              <a:buNone/>
+            </a:pPr>
+            <a:r>
+              <a:rPr lang="en-US" dirty="0">
                 <a:solidFill>
                   <a:srgbClr val="FFFF00"/>
                 </a:solidFill>
               </a:rPr>
-              <a:t>SDWBlackboardSchedulerBBCourses</a:t>
+              <a:t>	Need to Add Teachers</a:t>
+            </a:r>
+          </a:p>
+          <a:p>
+            <a:pPr marL="457200" lvl="1" indent="0">
+              <a:buNone/>
+            </a:pPr>
+            <a:r>
+              <a:rPr lang="en-US" dirty="0">
+                <a:solidFill>
+                  <a:srgbClr val="FFFF00"/>
+                </a:solidFill>
+              </a:rPr>
+              <a:t>	Need to Add Students</a:t>
+            </a:r>
+          </a:p>
+          <a:p>
+            <a:pPr marL="457200" lvl="1" indent="0">
+              <a:buNone/>
+            </a:pPr>
+            <a:r>
+              <a:rPr lang="en-US" dirty="0">
+                <a:solidFill>
+                  <a:srgbClr val="FFFF00"/>
+                </a:solidFill>
+              </a:rPr>
+              <a:t>Next Level – Add Modify Sections</a:t>
+            </a:r>
+          </a:p>
+          <a:p>
+            <a:pPr marL="457200" lvl="1" indent="0">
+              <a:buNone/>
+            </a:pPr>
+            <a:r>
+              <a:rPr lang="en-US" dirty="0">
+                <a:solidFill>
+                  <a:srgbClr val="FFFF00"/>
+                </a:solidFill>
+              </a:rPr>
+              <a:t>Next Level – </a:t>
+            </a:r>
+            <a:r>
+              <a:rPr lang="en-US">
+                <a:solidFill>
+                  <a:srgbClr val="FFFF00"/>
+                </a:solidFill>
+              </a:rPr>
+              <a:t>Manager Grades</a:t>
             </a:r>
             <a:endParaRPr lang="en-US" dirty="0">
               <a:solidFill>
                 <a:srgbClr val="FFFF00"/>
               </a:solidFill>
             </a:endParaRPr>
+          </a:p>
+          <a:p>
+            <a:pPr marL="457200" lvl="1" indent="0">
+              <a:buNone/>
+            </a:pPr>
+            <a:r>
+              <a:rPr lang="en-US" dirty="0">
+                <a:solidFill>
+                  <a:srgbClr val="FFFF00"/>
+                </a:solidFill>
+              </a:rPr>
+              <a:t>	</a:t>
+            </a:r>
           </a:p>
           <a:p>
             <a:pPr lvl="1"/>
@@ -8014,7 +8086,7 @@
                   <a:srgbClr val="FFFF00"/>
                 </a:solidFill>
               </a:rPr>
-              <a:t>Need Access</a:t>
+              <a:t>Email from Steve Received – Not Tested yet</a:t>
             </a:r>
           </a:p>
         </p:txBody>
@@ -8054,7 +8126,7 @@
           <p:cNvPr id="2" name="Title 1">
             <a:extLst>
               <a:ext uri="{FF2B5EF4-FFF2-40B4-BE49-F238E27FC236}">
-                <a16:creationId xmlns:a16="http://schemas.microsoft.com/office/drawing/2014/main" id="{9F8B6FC9-2733-4302-AE14-BE077FFB4730}"/>
+                <a16:creationId xmlns:a16="http://schemas.microsoft.com/office/drawing/2014/main" id="{2CF34A39-138F-D262-5FB1-D112DAA9DB57}"/>
               </a:ext>
             </a:extLst>
           </p:cNvPr>
@@ -8072,288 +8144,219 @@
           <a:p>
             <a:r>
               <a:rPr lang="en-US" dirty="0"/>
-              <a:t>Create course flow</a:t>
-            </a:r>
-          </a:p>
-        </p:txBody>
-      </p:sp>
-      <p:sp>
-        <p:nvSpPr>
-          <p:cNvPr id="5" name="Rectangle 4">
+              <a:t>Course Create Flow</a:t>
+            </a:r>
+          </a:p>
+        </p:txBody>
+      </p:sp>
+      <p:sp>
+        <p:nvSpPr>
+          <p:cNvPr id="3" name="Content Placeholder 2">
             <a:extLst>
               <a:ext uri="{FF2B5EF4-FFF2-40B4-BE49-F238E27FC236}">
-                <a16:creationId xmlns:a16="http://schemas.microsoft.com/office/drawing/2014/main" id="{39A0B47B-B6BA-223B-A143-2402B66A9140}"/>
+                <a16:creationId xmlns:a16="http://schemas.microsoft.com/office/drawing/2014/main" id="{149BEAC2-6A71-FEB5-A0E1-C904B173F421}"/>
               </a:ext>
             </a:extLst>
           </p:cNvPr>
-          <p:cNvSpPr/>
-          <p:nvPr/>
-        </p:nvSpPr>
-        <p:spPr>
-          <a:xfrm>
-            <a:off x="878774" y="2683823"/>
-            <a:ext cx="1520042" cy="973777"/>
-          </a:xfrm>
-          <a:prstGeom prst="rect">
-            <a:avLst/>
-          </a:prstGeom>
-        </p:spPr>
-        <p:style>
-          <a:lnRef idx="2">
-            <a:schemeClr val="accent1">
-              <a:shade val="15000"/>
-            </a:schemeClr>
-          </a:lnRef>
-          <a:fillRef idx="1">
-            <a:schemeClr val="accent1"/>
-          </a:fillRef>
-          <a:effectRef idx="0">
-            <a:schemeClr val="accent1"/>
-          </a:effectRef>
-          <a:fontRef idx="minor">
-            <a:schemeClr val="lt1"/>
-          </a:fontRef>
-        </p:style>
-        <p:txBody>
-          <a:bodyPr rtlCol="0" anchor="ctr"/>
-          <a:lstStyle/>
-          <a:p>
-            <a:pPr algn="ctr"/>
-            <a:r>
-              <a:rPr lang="en-US" dirty="0"/>
-              <a:t>Select Sections</a:t>
-            </a:r>
-          </a:p>
-        </p:txBody>
-      </p:sp>
-      <p:sp>
-        <p:nvSpPr>
-          <p:cNvPr id="6" name="Rectangle 5">
-            <a:extLst>
-              <a:ext uri="{FF2B5EF4-FFF2-40B4-BE49-F238E27FC236}">
-                <a16:creationId xmlns:a16="http://schemas.microsoft.com/office/drawing/2014/main" id="{0135CBA8-801F-5CB9-27BF-F624DF8D331E}"/>
-              </a:ext>
-            </a:extLst>
-          </p:cNvPr>
-          <p:cNvSpPr/>
-          <p:nvPr/>
-        </p:nvSpPr>
-        <p:spPr>
-          <a:xfrm>
-            <a:off x="2739242" y="2615540"/>
-            <a:ext cx="1417122" cy="1042060"/>
-          </a:xfrm>
-          <a:prstGeom prst="rect">
-            <a:avLst/>
-          </a:prstGeom>
-        </p:spPr>
-        <p:style>
-          <a:lnRef idx="2">
-            <a:schemeClr val="accent1">
-              <a:shade val="15000"/>
-            </a:schemeClr>
-          </a:lnRef>
-          <a:fillRef idx="1">
-            <a:schemeClr val="accent1"/>
-          </a:fillRef>
-          <a:effectRef idx="0">
-            <a:schemeClr val="accent1"/>
-          </a:effectRef>
-          <a:fontRef idx="minor">
-            <a:schemeClr val="lt1"/>
-          </a:fontRef>
-        </p:style>
-        <p:txBody>
-          <a:bodyPr rtlCol="0" anchor="ctr"/>
-          <a:lstStyle/>
-          <a:p>
-            <a:pPr algn="ctr"/>
-            <a:r>
-              <a:rPr lang="en-US" dirty="0"/>
-              <a:t>Select Template</a:t>
-            </a:r>
-          </a:p>
-        </p:txBody>
-      </p:sp>
-      <p:sp>
-        <p:nvSpPr>
-          <p:cNvPr id="7" name="Rectangle 6">
-            <a:extLst>
-              <a:ext uri="{FF2B5EF4-FFF2-40B4-BE49-F238E27FC236}">
-                <a16:creationId xmlns:a16="http://schemas.microsoft.com/office/drawing/2014/main" id="{6CA5A56F-D768-9B94-711A-307D07DDF216}"/>
-              </a:ext>
-            </a:extLst>
-          </p:cNvPr>
-          <p:cNvSpPr/>
-          <p:nvPr/>
-        </p:nvSpPr>
-        <p:spPr>
-          <a:xfrm>
-            <a:off x="4564085" y="2615540"/>
-            <a:ext cx="2315688" cy="1626920"/>
-          </a:xfrm>
-          <a:prstGeom prst="rect">
-            <a:avLst/>
-          </a:prstGeom>
-        </p:spPr>
-        <p:style>
-          <a:lnRef idx="2">
-            <a:schemeClr val="accent1">
-              <a:shade val="15000"/>
-            </a:schemeClr>
-          </a:lnRef>
-          <a:fillRef idx="1">
-            <a:schemeClr val="accent1"/>
-          </a:fillRef>
-          <a:effectRef idx="0">
-            <a:schemeClr val="accent1"/>
-          </a:effectRef>
-          <a:fontRef idx="minor">
-            <a:schemeClr val="lt1"/>
-          </a:fontRef>
-        </p:style>
-        <p:txBody>
-          <a:bodyPr rtlCol="0" anchor="ctr"/>
-          <a:lstStyle/>
-          <a:p>
-            <a:pPr algn="ctr"/>
-            <a:r>
-              <a:rPr lang="en-US" dirty="0"/>
-              <a:t>Questions?</a:t>
-            </a:r>
-          </a:p>
-          <a:p>
-            <a:pPr marL="285750" indent="-285750" algn="ctr">
-              <a:buFont typeface="Arial" panose="020B0604020202020204" pitchFamily="34" charset="0"/>
-              <a:buChar char="•"/>
-            </a:pPr>
-            <a:r>
-              <a:rPr lang="en-US" dirty="0"/>
-              <a:t>Course ID?</a:t>
-            </a:r>
-          </a:p>
-          <a:p>
-            <a:pPr marL="285750" indent="-285750" algn="ctr">
-              <a:buFont typeface="Arial" panose="020B0604020202020204" pitchFamily="34" charset="0"/>
-              <a:buChar char="•"/>
-            </a:pPr>
+          <p:cNvSpPr>
+            <a:spLocks noGrp="1"/>
+          </p:cNvSpPr>
+          <p:nvPr>
+            <p:ph idx="1"/>
+          </p:nvPr>
+        </p:nvSpPr>
+        <p:spPr/>
+        <p:txBody>
+          <a:bodyPr>
+            <a:normAutofit fontScale="77500" lnSpcReduction="20000"/>
+          </a:bodyPr>
+          <a:lstStyle/>
+          <a:p>
+            <a:r>
+              <a:rPr lang="en-US" dirty="0"/>
+              <a:t>User Selects:</a:t>
+            </a:r>
+          </a:p>
+          <a:p>
+            <a:pPr lvl="1"/>
+            <a:r>
+              <a:rPr lang="en-US" dirty="0"/>
+              <a:t>Template (source course id)</a:t>
+            </a:r>
+          </a:p>
+          <a:p>
+            <a:pPr lvl="1"/>
+            <a:r>
+              <a:rPr lang="en-US" dirty="0"/>
+              <a:t>BB Course Name (prepopulated and editable)</a:t>
+            </a:r>
+          </a:p>
+          <a:p>
+            <a:pPr lvl="1"/>
+            <a:r>
+              <a:rPr lang="en-US" dirty="0"/>
+              <a:t>BB Course Description (Input From User)</a:t>
+            </a:r>
+          </a:p>
+          <a:p>
+            <a:pPr lvl="1"/>
+            <a:r>
+              <a:rPr lang="en-US" dirty="0"/>
+              <a:t>Add Teachers and Students</a:t>
+            </a:r>
+          </a:p>
+          <a:p>
+            <a:pPr lvl="1"/>
+            <a:r>
+              <a:rPr lang="en-US" dirty="0"/>
+              <a:t>User Clicks ”Add Course”</a:t>
+            </a:r>
+          </a:p>
+          <a:p>
+            <a:r>
+              <a:rPr lang="en-US" dirty="0"/>
+              <a:t>Process</a:t>
+            </a:r>
+          </a:p>
+          <a:p>
+            <a:pPr lvl="1"/>
+            <a:r>
+              <a:rPr lang="en-US" dirty="0"/>
+              <a:t>Create entry into </a:t>
+            </a:r>
             <a:r>
               <a:rPr lang="en-US" dirty="0" err="1"/>
-              <a:t>ourse</a:t>
-            </a:r>
-            <a:r>
-              <a:rPr lang="en-US" dirty="0"/>
-              <a:t> Name?</a:t>
-            </a:r>
-          </a:p>
-          <a:p>
-            <a:pPr marL="285750" indent="-285750" algn="ctr">
-              <a:buFont typeface="Arial" panose="020B0604020202020204" pitchFamily="34" charset="0"/>
-              <a:buChar char="•"/>
-            </a:pPr>
-            <a:r>
-              <a:rPr lang="en-US" dirty="0"/>
-              <a:t>External ID?</a:t>
-            </a:r>
-          </a:p>
-        </p:txBody>
-      </p:sp>
-      <p:sp>
-        <p:nvSpPr>
-          <p:cNvPr id="11" name="Right Arrow 10">
-            <a:extLst>
-              <a:ext uri="{FF2B5EF4-FFF2-40B4-BE49-F238E27FC236}">
-                <a16:creationId xmlns:a16="http://schemas.microsoft.com/office/drawing/2014/main" id="{31BD1A90-91EB-212F-EEEE-53F68D700A75}"/>
-              </a:ext>
-            </a:extLst>
-          </p:cNvPr>
-          <p:cNvSpPr/>
-          <p:nvPr/>
-        </p:nvSpPr>
-        <p:spPr>
-          <a:xfrm flipV="1">
-            <a:off x="2398816" y="3071749"/>
-            <a:ext cx="340426" cy="265217"/>
-          </a:xfrm>
-          <a:prstGeom prst="rightArrow">
-            <a:avLst/>
-          </a:prstGeom>
-        </p:spPr>
-        <p:style>
-          <a:lnRef idx="2">
-            <a:schemeClr val="accent1">
-              <a:shade val="15000"/>
-            </a:schemeClr>
-          </a:lnRef>
-          <a:fillRef idx="1">
-            <a:schemeClr val="accent1"/>
-          </a:fillRef>
-          <a:effectRef idx="0">
-            <a:schemeClr val="accent1"/>
-          </a:effectRef>
-          <a:fontRef idx="minor">
-            <a:schemeClr val="lt1"/>
-          </a:fontRef>
-        </p:style>
-        <p:txBody>
-          <a:bodyPr rtlCol="0" anchor="ctr"/>
-          <a:lstStyle/>
-          <a:p>
-            <a:pPr algn="ctr"/>
-            <a:endParaRPr lang="en-US"/>
-          </a:p>
-        </p:txBody>
-      </p:sp>
-      <p:sp>
-        <p:nvSpPr>
-          <p:cNvPr id="12" name="Right Arrow 11">
-            <a:extLst>
-              <a:ext uri="{FF2B5EF4-FFF2-40B4-BE49-F238E27FC236}">
-                <a16:creationId xmlns:a16="http://schemas.microsoft.com/office/drawing/2014/main" id="{57116F98-2553-7C44-7FFE-1B2F76F6BDC4}"/>
-              </a:ext>
-            </a:extLst>
-          </p:cNvPr>
-          <p:cNvSpPr/>
-          <p:nvPr/>
-        </p:nvSpPr>
-        <p:spPr>
-          <a:xfrm>
-            <a:off x="4172200" y="3071749"/>
-            <a:ext cx="340426" cy="197923"/>
-          </a:xfrm>
-          <a:prstGeom prst="rightArrow">
-            <a:avLst/>
-          </a:prstGeom>
-        </p:spPr>
-        <p:style>
-          <a:lnRef idx="2">
-            <a:schemeClr val="accent1">
-              <a:shade val="15000"/>
-            </a:schemeClr>
-          </a:lnRef>
-          <a:fillRef idx="1">
-            <a:schemeClr val="accent1"/>
-          </a:fillRef>
-          <a:effectRef idx="0">
-            <a:schemeClr val="accent1"/>
-          </a:effectRef>
-          <a:fontRef idx="minor">
-            <a:schemeClr val="lt1"/>
-          </a:fontRef>
-        </p:style>
-        <p:txBody>
-          <a:bodyPr rtlCol="0" anchor="ctr"/>
-          <a:lstStyle/>
-          <a:p>
-            <a:pPr algn="ctr"/>
-            <a:endParaRPr lang="en-US"/>
+              <a:t>SDWBlackboardSchedulerBBCourses</a:t>
+            </a:r>
+            <a:r>
+              <a:rPr lang="en-US" dirty="0"/>
+              <a:t> .. Get KEY Value (</a:t>
+            </a:r>
+            <a:r>
+              <a:rPr lang="en-US" dirty="0" err="1"/>
+              <a:t>bbCourseID</a:t>
+            </a:r>
+            <a:r>
+              <a:rPr lang="en-US" dirty="0"/>
+              <a:t>)</a:t>
+            </a:r>
+          </a:p>
+          <a:p>
+            <a:pPr lvl="1"/>
+            <a:r>
+              <a:rPr lang="en-US" dirty="0"/>
+              <a:t>Add Key to BB Course ID</a:t>
+            </a:r>
+          </a:p>
+          <a:p>
+            <a:pPr lvl="1"/>
+            <a:r>
+              <a:rPr lang="en-US" dirty="0"/>
+              <a:t>Create Course in BB Learn from Template Chosen</a:t>
+            </a:r>
+          </a:p>
+          <a:p>
+            <a:pPr lvl="1"/>
+            <a:r>
+              <a:rPr lang="en-US" dirty="0"/>
+              <a:t>Update </a:t>
+            </a:r>
+            <a:r>
+              <a:rPr lang="en-US" dirty="0" err="1"/>
+              <a:t>SDWBlackboardSchedulerBBCourses</a:t>
+            </a:r>
+            <a:r>
+              <a:rPr lang="en-US" dirty="0"/>
+              <a:t> with new Course ID</a:t>
+            </a:r>
+          </a:p>
+          <a:p>
+            <a:pPr lvl="1"/>
+            <a:r>
+              <a:rPr lang="en-US" dirty="0"/>
+              <a:t>Update BB Course with Course Name and Course Description</a:t>
+            </a:r>
+          </a:p>
+          <a:p>
+            <a:pPr lvl="1"/>
+            <a:r>
+              <a:rPr lang="en-US" dirty="0"/>
+              <a:t>Add Enrollments from Sections</a:t>
+            </a:r>
+          </a:p>
+          <a:p>
+            <a:pPr lvl="1"/>
+            <a:r>
+              <a:rPr lang="en-US" dirty="0"/>
+              <a:t>Create entries into </a:t>
+            </a:r>
+            <a:r>
+              <a:rPr lang="en-US" dirty="0" err="1"/>
+              <a:t>SDWBlackboardSchedulerSISCourseSections</a:t>
+            </a:r>
+            <a:endParaRPr lang="en-US" dirty="0"/>
+          </a:p>
+          <a:p>
+            <a:pPr lvl="1"/>
+            <a:r>
+              <a:rPr lang="en-US" dirty="0"/>
+              <a:t>Create entries into </a:t>
+            </a:r>
+            <a:r>
+              <a:rPr lang="en-US" dirty="0" err="1"/>
+              <a:t>SDWBlackboardSchedulerSISCoursePersons</a:t>
+            </a:r>
+            <a:endParaRPr lang="en-US" dirty="0"/>
+          </a:p>
+          <a:p>
+            <a:pPr lvl="1"/>
+            <a:r>
+              <a:rPr lang="en-US" dirty="0">
+                <a:solidFill>
+                  <a:srgbClr val="FFFF00"/>
+                </a:solidFill>
+              </a:rPr>
+              <a:t>?? What are other SDW Tables for??  </a:t>
+            </a:r>
+            <a:r>
+              <a:rPr lang="en-US" dirty="0" err="1">
+                <a:solidFill>
+                  <a:srgbClr val="FFFF00"/>
+                </a:solidFill>
+              </a:rPr>
+              <a:t>SDWCasper</a:t>
+            </a:r>
+            <a:r>
+              <a:rPr lang="en-US" dirty="0">
+                <a:solidFill>
+                  <a:srgbClr val="FFFF00"/>
+                </a:solidFill>
+              </a:rPr>
+              <a:t>, </a:t>
+            </a:r>
+            <a:r>
+              <a:rPr lang="en-US" dirty="0" err="1">
+                <a:solidFill>
+                  <a:srgbClr val="FFFF00"/>
+                </a:solidFill>
+              </a:rPr>
+              <a:t>SDWCisco</a:t>
+            </a:r>
+            <a:r>
+              <a:rPr lang="en-US" dirty="0">
+                <a:solidFill>
+                  <a:srgbClr val="FFFF00"/>
+                </a:solidFill>
+              </a:rPr>
+              <a:t>?</a:t>
+            </a:r>
           </a:p>
         </p:txBody>
       </p:sp>
     </p:spTree>
     <p:extLst>
       <p:ext uri="{BB962C8B-B14F-4D97-AF65-F5344CB8AC3E}">
-        <p14:creationId xmlns:p14="http://schemas.microsoft.com/office/powerpoint/2010/main" val="1564806355"/>
+        <p14:creationId xmlns:p14="http://schemas.microsoft.com/office/powerpoint/2010/main" val="2783503921"/>
       </p:ext>
     </p:extLst>
   </p:cSld>
@@ -8368,7 +8371,13 @@
   <p:cSld>
     <p:spTree>
       <p:nvGrpSpPr>
-        <p:cNvPr id="1" name=""/>
+        <p:cNvPr id="1" name="">
+          <a:extLst>
+            <a:ext uri="{FF2B5EF4-FFF2-40B4-BE49-F238E27FC236}">
+              <a16:creationId xmlns:a16="http://schemas.microsoft.com/office/drawing/2014/main" id="{828826C7-C9D0-79F5-5FAE-B5748A280401}"/>
+            </a:ext>
+          </a:extLst>
+        </p:cNvPr>
         <p:cNvGrpSpPr/>
         <p:nvPr/>
       </p:nvGrpSpPr>
@@ -8385,7 +8394,7 @@
           <p:cNvPr id="2" name="Title 1">
             <a:extLst>
               <a:ext uri="{FF2B5EF4-FFF2-40B4-BE49-F238E27FC236}">
-                <a16:creationId xmlns:a16="http://schemas.microsoft.com/office/drawing/2014/main" id="{2CF34A39-138F-D262-5FB1-D112DAA9DB57}"/>
+                <a16:creationId xmlns:a16="http://schemas.microsoft.com/office/drawing/2014/main" id="{0F9E63C0-EF6F-FA48-B614-AD60EA4D9E6E}"/>
               </a:ext>
             </a:extLst>
           </p:cNvPr>
@@ -8403,7 +8412,7 @@
           <a:p>
             <a:r>
               <a:rPr lang="en-US" dirty="0"/>
-              <a:t>Course Create Flow</a:t>
+              <a:t>User/ENROLLMENT SYNC</a:t>
             </a:r>
           </a:p>
         </p:txBody>
@@ -8413,7 +8422,7 @@
           <p:cNvPr id="3" name="Content Placeholder 2">
             <a:extLst>
               <a:ext uri="{FF2B5EF4-FFF2-40B4-BE49-F238E27FC236}">
-                <a16:creationId xmlns:a16="http://schemas.microsoft.com/office/drawing/2014/main" id="{149BEAC2-6A71-FEB5-A0E1-C904B173F421}"/>
+                <a16:creationId xmlns:a16="http://schemas.microsoft.com/office/drawing/2014/main" id="{D63208DD-98B2-0898-E7E8-8C66E66AB587}"/>
               </a:ext>
             </a:extLst>
           </p:cNvPr>
@@ -8427,133 +8436,119 @@
         <p:spPr/>
         <p:txBody>
           <a:bodyPr>
-            <a:normAutofit fontScale="92500" lnSpcReduction="10000"/>
+            <a:normAutofit lnSpcReduction="10000"/>
           </a:bodyPr>
           <a:lstStyle/>
           <a:p>
             <a:r>
               <a:rPr lang="en-US" dirty="0"/>
-              <a:t>User Selects:</a:t>
+              <a:t>User Sync</a:t>
             </a:r>
           </a:p>
           <a:p>
             <a:pPr lvl="1"/>
             <a:r>
               <a:rPr lang="en-US" dirty="0"/>
-              <a:t>Template (source course id)</a:t>
+              <a:t>Built into Application – Spring Task – Run at specific Times</a:t>
             </a:r>
           </a:p>
           <a:p>
             <a:pPr lvl="1"/>
             <a:r>
               <a:rPr lang="en-US" dirty="0"/>
-              <a:t>BB Course Name (prepopulated and editable)</a:t>
+              <a:t>Uses BB Data Integration Framework – Snapshot Files</a:t>
             </a:r>
           </a:p>
           <a:p>
             <a:pPr lvl="1"/>
             <a:r>
               <a:rPr lang="en-US" dirty="0"/>
-              <a:t>BB Course Description (Input From User)</a:t>
+              <a:t>Build Person File (Student and Staff)</a:t>
             </a:r>
           </a:p>
           <a:p>
             <a:pPr lvl="1"/>
             <a:r>
               <a:rPr lang="en-US" dirty="0"/>
-              <a:t>User Clicks ”Add Course”</a:t>
-            </a:r>
-          </a:p>
-          <a:p>
-            <a:r>
-              <a:rPr lang="en-US" dirty="0"/>
-              <a:t>Process</a:t>
+              <a:t>Build Staff Secondary Role File</a:t>
             </a:r>
           </a:p>
           <a:p>
             <a:pPr lvl="1"/>
             <a:r>
-              <a:rPr lang="en-US" dirty="0"/>
-              <a:t>Create entry into </a:t>
-            </a:r>
-            <a:r>
-              <a:rPr lang="en-US" dirty="0" err="1"/>
-              <a:t>SDWBlackboardSchedulerBBCourses</a:t>
-            </a:r>
-            <a:r>
-              <a:rPr lang="en-US" dirty="0"/>
-              <a:t> .. Get KEY Value (</a:t>
-            </a:r>
-            <a:r>
-              <a:rPr lang="en-US" dirty="0" err="1"/>
-              <a:t>bbCourseID</a:t>
-            </a:r>
-            <a:r>
-              <a:rPr lang="en-US" dirty="0"/>
-              <a:t>)</a:t>
+              <a:rPr lang="en-US" dirty="0">
+                <a:solidFill>
+                  <a:srgbClr val="FFFF00"/>
+                </a:solidFill>
+              </a:rPr>
+              <a:t>Questions:</a:t>
+            </a:r>
+          </a:p>
+          <a:p>
+            <a:pPr lvl="2"/>
+            <a:r>
+              <a:rPr lang="en-US" dirty="0">
+                <a:solidFill>
+                  <a:srgbClr val="FFFF00"/>
+                </a:solidFill>
+              </a:rPr>
+              <a:t>Institution Role?</a:t>
+            </a:r>
+          </a:p>
+          <a:p>
+            <a:pPr lvl="2"/>
+            <a:r>
+              <a:rPr lang="en-US" dirty="0">
+                <a:solidFill>
+                  <a:srgbClr val="FFFF00"/>
+                </a:solidFill>
+              </a:rPr>
+              <a:t>System Role?</a:t>
+            </a:r>
+          </a:p>
+          <a:p>
+            <a:r>
+              <a:rPr lang="en-US" dirty="0"/>
+              <a:t>Enrollment Sync</a:t>
             </a:r>
           </a:p>
           <a:p>
             <a:pPr lvl="1"/>
             <a:r>
               <a:rPr lang="en-US" dirty="0"/>
-              <a:t>Add Key to BB Course ID</a:t>
-            </a:r>
-          </a:p>
-          <a:p>
-            <a:pPr lvl="1"/>
-            <a:r>
-              <a:rPr lang="en-US" dirty="0"/>
-              <a:t>Create Course in BB Learn from Template Chosen</a:t>
-            </a:r>
-          </a:p>
-          <a:p>
-            <a:pPr lvl="1"/>
-            <a:r>
-              <a:rPr lang="en-US" dirty="0"/>
-              <a:t>Update </a:t>
-            </a:r>
-            <a:r>
-              <a:rPr lang="en-US" dirty="0" err="1"/>
-              <a:t>SDWBlackboardSchedulerBBCourses</a:t>
-            </a:r>
-            <a:r>
-              <a:rPr lang="en-US" dirty="0"/>
-              <a:t> with new Course ID</a:t>
-            </a:r>
-          </a:p>
-          <a:p>
-            <a:pPr lvl="1"/>
-            <a:r>
-              <a:rPr lang="en-US" dirty="0"/>
-              <a:t>Update BB Course with Course Name and Course Description</a:t>
-            </a:r>
-          </a:p>
-          <a:p>
-            <a:pPr lvl="1"/>
-            <a:r>
-              <a:rPr lang="en-US" dirty="0"/>
-              <a:t>Add Enrollments from Sections</a:t>
-            </a:r>
-          </a:p>
-          <a:p>
-            <a:pPr lvl="1"/>
-            <a:r>
-              <a:rPr lang="en-US" dirty="0"/>
-              <a:t>Create entries into </a:t>
+              <a:t>Use Entries </a:t>
             </a:r>
             <a:r>
               <a:rPr lang="en-US" dirty="0" err="1"/>
               <a:t>SDWBlackboardSchedulerSISCourseSections</a:t>
             </a:r>
             <a:endParaRPr lang="en-US" dirty="0"/>
+          </a:p>
+          <a:p>
+            <a:pPr lvl="1"/>
+            <a:r>
+              <a:rPr lang="en-US" dirty="0"/>
+              <a:t>Use Entries </a:t>
+            </a:r>
+            <a:r>
+              <a:rPr lang="en-US" dirty="0" err="1"/>
+              <a:t>SDWBlackboardSchedulerSISCoursePersons</a:t>
+            </a:r>
+            <a:endParaRPr lang="en-US" dirty="0"/>
+          </a:p>
+          <a:p>
+            <a:pPr lvl="1"/>
+            <a:r>
+              <a:rPr lang="en-US" dirty="0"/>
+              <a:t>Create Enrollment File to BB Data  Integration Framework</a:t>
+            </a:r>
           </a:p>
         </p:txBody>
       </p:sp>
     </p:spTree>
     <p:extLst>
       <p:ext uri="{BB962C8B-B14F-4D97-AF65-F5344CB8AC3E}">
-        <p14:creationId xmlns:p14="http://schemas.microsoft.com/office/powerpoint/2010/main" val="2783503921"/>
+        <p14:creationId xmlns:p14="http://schemas.microsoft.com/office/powerpoint/2010/main" val="2994868811"/>
       </p:ext>
     </p:extLst>
   </p:cSld>

--- a/docs/Waukesha Week 4.pptx
+++ b/docs/Waukesha Week 4.pptx
@@ -7743,7 +7743,7 @@
         </p:spPr>
         <p:txBody>
           <a:bodyPr>
-            <a:normAutofit fontScale="92500" lnSpcReduction="20000"/>
+            <a:normAutofit fontScale="85000" lnSpcReduction="20000"/>
           </a:bodyPr>
           <a:lstStyle/>
           <a:p>
@@ -7914,6 +7914,11 @@
               </a:rPr>
               <a:t>Manager Grades</a:t>
             </a:r>
+          </a:p>
+          <a:p>
+            <a:pPr marL="457200" lvl="1" indent="0">
+              <a:buNone/>
+            </a:pPr>
             <a:endParaRPr lang="en-US" dirty="0">
               <a:solidFill>
                 <a:srgbClr val="FFFF00"/>
